--- a/doc/開発環境.pptx
+++ b/doc/開発環境.pptx
@@ -8,6 +8,10 @@
     <p:sldId id="256" r:id="rId2"/>
     <p:sldId id="257" r:id="rId3"/>
     <p:sldId id="258" r:id="rId4"/>
+    <p:sldId id="259" r:id="rId5"/>
+    <p:sldId id="260" r:id="rId6"/>
+    <p:sldId id="261" r:id="rId7"/>
+    <p:sldId id="262" r:id="rId8"/>
   </p:sldIdLst>
   <p:sldSz cx="12192000" cy="6858000"/>
   <p:notesSz cx="6858000" cy="9144000"/>
@@ -245,7 +249,7 @@
           <a:p>
             <a:fld id="{577E5B71-173F-4104-AF78-4F0F4E075774}" type="datetimeFigureOut">
               <a:rPr kumimoji="1" lang="ja-JP" altLang="en-US" smtClean="0"/>
-              <a:t>2015/12/26</a:t>
+              <a:t>2016/1/11</a:t>
             </a:fld>
             <a:endParaRPr kumimoji="1" lang="ja-JP" altLang="en-US"/>
           </a:p>
@@ -447,7 +451,7 @@
           <a:p>
             <a:fld id="{577E5B71-173F-4104-AF78-4F0F4E075774}" type="datetimeFigureOut">
               <a:rPr kumimoji="1" lang="ja-JP" altLang="en-US" smtClean="0"/>
-              <a:t>2015/12/26</a:t>
+              <a:t>2016/1/11</a:t>
             </a:fld>
             <a:endParaRPr kumimoji="1" lang="ja-JP" altLang="en-US"/>
           </a:p>
@@ -659,7 +663,7 @@
           <a:p>
             <a:fld id="{577E5B71-173F-4104-AF78-4F0F4E075774}" type="datetimeFigureOut">
               <a:rPr kumimoji="1" lang="ja-JP" altLang="en-US" smtClean="0"/>
-              <a:t>2015/12/26</a:t>
+              <a:t>2016/1/11</a:t>
             </a:fld>
             <a:endParaRPr kumimoji="1" lang="ja-JP" altLang="en-US"/>
           </a:p>
@@ -861,7 +865,7 @@
           <a:p>
             <a:fld id="{577E5B71-173F-4104-AF78-4F0F4E075774}" type="datetimeFigureOut">
               <a:rPr kumimoji="1" lang="ja-JP" altLang="en-US" smtClean="0"/>
-              <a:t>2015/12/26</a:t>
+              <a:t>2016/1/11</a:t>
             </a:fld>
             <a:endParaRPr kumimoji="1" lang="ja-JP" altLang="en-US"/>
           </a:p>
@@ -1107,7 +1111,7 @@
           <a:p>
             <a:fld id="{577E5B71-173F-4104-AF78-4F0F4E075774}" type="datetimeFigureOut">
               <a:rPr kumimoji="1" lang="ja-JP" altLang="en-US" smtClean="0"/>
-              <a:t>2015/12/26</a:t>
+              <a:t>2016/1/11</a:t>
             </a:fld>
             <a:endParaRPr kumimoji="1" lang="ja-JP" altLang="en-US"/>
           </a:p>
@@ -1403,7 +1407,7 @@
           <a:p>
             <a:fld id="{577E5B71-173F-4104-AF78-4F0F4E075774}" type="datetimeFigureOut">
               <a:rPr kumimoji="1" lang="ja-JP" altLang="en-US" smtClean="0"/>
-              <a:t>2015/12/26</a:t>
+              <a:t>2016/1/11</a:t>
             </a:fld>
             <a:endParaRPr kumimoji="1" lang="ja-JP" altLang="en-US"/>
           </a:p>
@@ -1834,7 +1838,7 @@
           <a:p>
             <a:fld id="{577E5B71-173F-4104-AF78-4F0F4E075774}" type="datetimeFigureOut">
               <a:rPr kumimoji="1" lang="ja-JP" altLang="en-US" smtClean="0"/>
-              <a:t>2015/12/26</a:t>
+              <a:t>2016/1/11</a:t>
             </a:fld>
             <a:endParaRPr kumimoji="1" lang="ja-JP" altLang="en-US"/>
           </a:p>
@@ -1952,7 +1956,7 @@
           <a:p>
             <a:fld id="{577E5B71-173F-4104-AF78-4F0F4E075774}" type="datetimeFigureOut">
               <a:rPr kumimoji="1" lang="ja-JP" altLang="en-US" smtClean="0"/>
-              <a:t>2015/12/26</a:t>
+              <a:t>2016/1/11</a:t>
             </a:fld>
             <a:endParaRPr kumimoji="1" lang="ja-JP" altLang="en-US"/>
           </a:p>
@@ -2047,7 +2051,7 @@
           <a:p>
             <a:fld id="{577E5B71-173F-4104-AF78-4F0F4E075774}" type="datetimeFigureOut">
               <a:rPr kumimoji="1" lang="ja-JP" altLang="en-US" smtClean="0"/>
-              <a:t>2015/12/26</a:t>
+              <a:t>2016/1/11</a:t>
             </a:fld>
             <a:endParaRPr kumimoji="1" lang="ja-JP" altLang="en-US"/>
           </a:p>
@@ -2356,7 +2360,7 @@
           <a:p>
             <a:fld id="{577E5B71-173F-4104-AF78-4F0F4E075774}" type="datetimeFigureOut">
               <a:rPr kumimoji="1" lang="ja-JP" altLang="en-US" smtClean="0"/>
-              <a:t>2015/12/26</a:t>
+              <a:t>2016/1/11</a:t>
             </a:fld>
             <a:endParaRPr kumimoji="1" lang="ja-JP" altLang="en-US"/>
           </a:p>
@@ -2609,7 +2613,7 @@
           <a:p>
             <a:fld id="{577E5B71-173F-4104-AF78-4F0F4E075774}" type="datetimeFigureOut">
               <a:rPr kumimoji="1" lang="ja-JP" altLang="en-US" smtClean="0"/>
-              <a:t>2015/12/26</a:t>
+              <a:t>2016/1/11</a:t>
             </a:fld>
             <a:endParaRPr kumimoji="1" lang="ja-JP" altLang="en-US"/>
           </a:p>
@@ -2854,7 +2858,7 @@
           <a:p>
             <a:fld id="{577E5B71-173F-4104-AF78-4F0F4E075774}" type="datetimeFigureOut">
               <a:rPr kumimoji="1" lang="ja-JP" altLang="en-US" smtClean="0"/>
-              <a:t>2015/12/26</a:t>
+              <a:t>2016/1/11</a:t>
             </a:fld>
             <a:endParaRPr kumimoji="1" lang="ja-JP" altLang="en-US"/>
           </a:p>
@@ -3506,7 +3510,9 @@
           <a:lstStyle/>
           <a:p>
             <a:pPr algn="ctr"/>
-            <a:endParaRPr kumimoji="1" lang="ja-JP" altLang="en-US"/>
+            <a:endParaRPr kumimoji="1" lang="ja-JP" altLang="en-US">
+              <a:latin typeface="ＭＳ Ｐゴシック 本文"/>
+            </a:endParaRPr>
           </a:p>
         </p:txBody>
       </p:sp>
@@ -3533,14 +3539,20 @@
           <a:lstStyle/>
           <a:p>
             <a:r>
-              <a:rPr lang="ja-JP" altLang="en-US" b="1" dirty="0"/>
+              <a:rPr lang="ja-JP" altLang="en-US" b="1" dirty="0">
+                <a:latin typeface="ＭＳ Ｐゴシック 本文"/>
+              </a:rPr>
               <a:t>開発</a:t>
             </a:r>
             <a:r>
-              <a:rPr kumimoji="1" lang="ja-JP" altLang="en-US" b="1" dirty="0" smtClean="0"/>
+              <a:rPr kumimoji="1" lang="ja-JP" altLang="en-US" b="1" dirty="0" smtClean="0">
+                <a:latin typeface="ＭＳ Ｐゴシック 本文"/>
+              </a:rPr>
               <a:t>環境</a:t>
             </a:r>
-            <a:endParaRPr kumimoji="1" lang="ja-JP" altLang="en-US" b="1" dirty="0"/>
+            <a:endParaRPr kumimoji="1" lang="ja-JP" altLang="en-US" b="1" dirty="0">
+              <a:latin typeface="ＭＳ Ｐゴシック 本文"/>
+            </a:endParaRPr>
           </a:p>
         </p:txBody>
       </p:sp>
@@ -3614,6 +3626,7 @@
               <a:solidFill>
                 <a:schemeClr val="tx1"/>
               </a:solidFill>
+              <a:latin typeface="ＭＳ Ｐゴシック 本文"/>
             </a:endParaRPr>
           </a:p>
         </p:txBody>
@@ -3658,6 +3671,7 @@
               <a:solidFill>
                 <a:schemeClr val="tx1"/>
               </a:solidFill>
+              <a:latin typeface="ＭＳ Ｐゴシック 本文"/>
             </a:endParaRPr>
           </a:p>
         </p:txBody>
@@ -3715,6 +3729,7 @@
               <a:solidFill>
                 <a:schemeClr val="tx1"/>
               </a:solidFill>
+              <a:latin typeface="ＭＳ Ｐゴシック 本文"/>
             </a:endParaRPr>
           </a:p>
         </p:txBody>
@@ -3743,10 +3758,14 @@
           <a:p>
             <a:pPr algn="r"/>
             <a:r>
-              <a:rPr kumimoji="1" lang="ja-JP" altLang="en-US" b="1" dirty="0" smtClean="0"/>
+              <a:rPr kumimoji="1" lang="ja-JP" altLang="en-US" b="1" dirty="0" smtClean="0">
+                <a:latin typeface="ＭＳ Ｐゴシック 本文"/>
+              </a:rPr>
               <a:t>コミット</a:t>
             </a:r>
-            <a:endParaRPr kumimoji="1" lang="ja-JP" altLang="en-US" b="1" dirty="0"/>
+            <a:endParaRPr kumimoji="1" lang="ja-JP" altLang="en-US" b="1" dirty="0">
+              <a:latin typeface="ＭＳ Ｐゴシック 本文"/>
+            </a:endParaRPr>
           </a:p>
         </p:txBody>
       </p:sp>
@@ -3774,10 +3793,14 @@
           <a:p>
             <a:pPr algn="r"/>
             <a:r>
-              <a:rPr kumimoji="1" lang="ja-JP" altLang="en-US" b="1" dirty="0" smtClean="0"/>
+              <a:rPr kumimoji="1" lang="ja-JP" altLang="en-US" b="1" dirty="0" smtClean="0">
+                <a:latin typeface="ＭＳ Ｐゴシック 本文"/>
+              </a:rPr>
               <a:t>プッシュ</a:t>
             </a:r>
-            <a:endParaRPr kumimoji="1" lang="ja-JP" altLang="en-US" b="1" dirty="0"/>
+            <a:endParaRPr kumimoji="1" lang="ja-JP" altLang="en-US" b="1" dirty="0">
+              <a:latin typeface="ＭＳ Ｐゴシック 本文"/>
+            </a:endParaRPr>
           </a:p>
         </p:txBody>
       </p:sp>
@@ -3864,6 +3887,7 @@
               <a:solidFill>
                 <a:schemeClr val="tx1"/>
               </a:solidFill>
+              <a:latin typeface="ＭＳ Ｐゴシック 本文"/>
             </a:endParaRPr>
           </a:p>
         </p:txBody>
@@ -3952,10 +3976,14 @@
           <a:p>
             <a:pPr algn="r"/>
             <a:r>
-              <a:rPr lang="ja-JP" altLang="en-US" b="1" dirty="0"/>
+              <a:rPr lang="ja-JP" altLang="en-US" b="1" dirty="0">
+                <a:latin typeface="ＭＳ Ｐゴシック 本文"/>
+              </a:rPr>
               <a:t>ポップ</a:t>
             </a:r>
-            <a:endParaRPr kumimoji="1" lang="ja-JP" altLang="en-US" b="1" dirty="0"/>
+            <a:endParaRPr kumimoji="1" lang="ja-JP" altLang="en-US" b="1" dirty="0">
+              <a:latin typeface="ＭＳ Ｐゴシック 本文"/>
+            </a:endParaRPr>
           </a:p>
         </p:txBody>
       </p:sp>
@@ -3968,7 +3996,7 @@
         <p:spPr>
           <a:xfrm>
             <a:off x="6558767" y="3091618"/>
-            <a:ext cx="5419166" cy="369332"/>
+            <a:ext cx="5419166" cy="646331"/>
           </a:xfrm>
           <a:prstGeom prst="rect">
             <a:avLst/>
@@ -3982,10 +4010,14 @@
           <a:lstStyle/>
           <a:p>
             <a:r>
-              <a:rPr lang="en-US" altLang="ja-JP" dirty="0"/>
+              <a:rPr lang="en-US" altLang="ja-JP" dirty="0">
+                <a:latin typeface="ＭＳ Ｐゴシック 本文"/>
+              </a:rPr>
               <a:t>https://github.com/systemdevelopment/weeklyReport/</a:t>
             </a:r>
-            <a:endParaRPr kumimoji="1" lang="ja-JP" altLang="en-US" dirty="0"/>
+            <a:endParaRPr kumimoji="1" lang="ja-JP" altLang="en-US" dirty="0">
+              <a:latin typeface="ＭＳ Ｐゴシック 本文"/>
+            </a:endParaRPr>
           </a:p>
         </p:txBody>
       </p:sp>
@@ -4032,7 +4064,9 @@
           <a:lstStyle/>
           <a:p>
             <a:pPr algn="ctr"/>
-            <a:endParaRPr kumimoji="1" lang="ja-JP" altLang="en-US"/>
+            <a:endParaRPr kumimoji="1" lang="ja-JP" altLang="en-US">
+              <a:latin typeface="ＭＳ Ｐゴシック 本文"/>
+            </a:endParaRPr>
           </a:p>
         </p:txBody>
       </p:sp>
@@ -4109,7 +4143,9 @@
           <a:lstStyle/>
           <a:p>
             <a:pPr algn="ctr"/>
-            <a:endParaRPr kumimoji="1" lang="ja-JP" altLang="en-US"/>
+            <a:endParaRPr kumimoji="1" lang="ja-JP" altLang="en-US">
+              <a:latin typeface="ＭＳ Ｐゴシック 本文"/>
+            </a:endParaRPr>
           </a:p>
         </p:txBody>
       </p:sp>
@@ -4147,7 +4183,9 @@
           <a:lstStyle/>
           <a:p>
             <a:pPr algn="ctr"/>
-            <a:endParaRPr kumimoji="1" lang="ja-JP" altLang="en-US"/>
+            <a:endParaRPr kumimoji="1" lang="ja-JP" altLang="en-US">
+              <a:latin typeface="ＭＳ Ｐゴシック 本文"/>
+            </a:endParaRPr>
           </a:p>
         </p:txBody>
       </p:sp>
@@ -4174,10 +4212,14 @@
           <a:lstStyle/>
           <a:p>
             <a:r>
-              <a:rPr kumimoji="1" lang="ja-JP" altLang="en-US" b="1" dirty="0" smtClean="0"/>
+              <a:rPr kumimoji="1" lang="ja-JP" altLang="en-US" b="1" dirty="0" smtClean="0">
+                <a:latin typeface="ＭＳ Ｐゴシック 本文"/>
+              </a:rPr>
               <a:t>なども利用可能</a:t>
             </a:r>
-            <a:endParaRPr kumimoji="1" lang="ja-JP" altLang="en-US" b="1" dirty="0"/>
+            <a:endParaRPr kumimoji="1" lang="ja-JP" altLang="en-US" b="1" dirty="0">
+              <a:latin typeface="ＭＳ Ｐゴシック 本文"/>
+            </a:endParaRPr>
           </a:p>
         </p:txBody>
       </p:sp>
@@ -4204,10 +4246,14 @@
           <a:lstStyle/>
           <a:p>
             <a:r>
-              <a:rPr kumimoji="1" lang="ja-JP" altLang="en-US" b="1" dirty="0" smtClean="0"/>
+              <a:rPr kumimoji="1" lang="ja-JP" altLang="en-US" b="1" dirty="0" smtClean="0">
+                <a:latin typeface="ＭＳ Ｐゴシック 本文"/>
+              </a:rPr>
               <a:t>ローカルリポジトリ</a:t>
             </a:r>
-            <a:endParaRPr kumimoji="1" lang="ja-JP" altLang="en-US" b="1" dirty="0"/>
+            <a:endParaRPr kumimoji="1" lang="ja-JP" altLang="en-US" b="1" dirty="0">
+              <a:latin typeface="ＭＳ Ｐゴシック 本文"/>
+            </a:endParaRPr>
           </a:p>
         </p:txBody>
       </p:sp>
@@ -4234,10 +4280,14 @@
           <a:lstStyle/>
           <a:p>
             <a:r>
-              <a:rPr kumimoji="1" lang="ja-JP" altLang="en-US" b="1" dirty="0" smtClean="0"/>
+              <a:rPr kumimoji="1" lang="ja-JP" altLang="en-US" b="1" dirty="0" smtClean="0">
+                <a:latin typeface="ＭＳ Ｐゴシック 本文"/>
+              </a:rPr>
               <a:t>リモートリポジトリ</a:t>
             </a:r>
-            <a:endParaRPr kumimoji="1" lang="ja-JP" altLang="en-US" b="1" dirty="0"/>
+            <a:endParaRPr kumimoji="1" lang="ja-JP" altLang="en-US" b="1" dirty="0">
+              <a:latin typeface="ＭＳ Ｐゴシック 本文"/>
+            </a:endParaRPr>
           </a:p>
         </p:txBody>
       </p:sp>
@@ -4264,14 +4314,20 @@
           <a:lstStyle/>
           <a:p>
             <a:r>
-              <a:rPr lang="ja-JP" altLang="en-US" b="1" dirty="0"/>
+              <a:rPr lang="ja-JP" altLang="en-US" b="1" dirty="0">
+                <a:latin typeface="ＭＳ Ｐゴシック 本文"/>
+              </a:rPr>
               <a:t>開発</a:t>
             </a:r>
             <a:r>
-              <a:rPr kumimoji="1" lang="ja-JP" altLang="en-US" b="1" dirty="0" smtClean="0"/>
+              <a:rPr kumimoji="1" lang="ja-JP" altLang="en-US" b="1" dirty="0" smtClean="0">
+                <a:latin typeface="ＭＳ Ｐゴシック 本文"/>
+              </a:rPr>
               <a:t>環境</a:t>
             </a:r>
-            <a:endParaRPr kumimoji="1" lang="ja-JP" altLang="en-US" b="1" dirty="0"/>
+            <a:endParaRPr kumimoji="1" lang="ja-JP" altLang="en-US" b="1" dirty="0">
+              <a:latin typeface="ＭＳ Ｐゴシック 本文"/>
+            </a:endParaRPr>
           </a:p>
         </p:txBody>
       </p:sp>
@@ -4319,7 +4375,9 @@
           <a:lstStyle/>
           <a:p>
             <a:pPr algn="ctr"/>
-            <a:endParaRPr kumimoji="1" lang="ja-JP" altLang="en-US"/>
+            <a:endParaRPr kumimoji="1" lang="ja-JP" altLang="en-US">
+              <a:latin typeface="ＭＳ Ｐゴシック 本文"/>
+            </a:endParaRPr>
           </a:p>
         </p:txBody>
       </p:sp>
@@ -4387,7 +4445,9 @@
           <a:lstStyle/>
           <a:p>
             <a:pPr algn="ctr"/>
-            <a:endParaRPr kumimoji="1" lang="ja-JP" altLang="en-US"/>
+            <a:endParaRPr kumimoji="1" lang="ja-JP" altLang="en-US">
+              <a:latin typeface="ＭＳ Ｐゴシック 本文"/>
+            </a:endParaRPr>
           </a:p>
         </p:txBody>
       </p:sp>
@@ -4425,7 +4485,9 @@
           <a:lstStyle/>
           <a:p>
             <a:pPr algn="ctr"/>
-            <a:endParaRPr kumimoji="1" lang="ja-JP" altLang="en-US"/>
+            <a:endParaRPr kumimoji="1" lang="ja-JP" altLang="en-US">
+              <a:latin typeface="ＭＳ Ｐゴシック 本文"/>
+            </a:endParaRPr>
           </a:p>
         </p:txBody>
       </p:sp>
@@ -4452,10 +4514,14 @@
           <a:lstStyle/>
           <a:p>
             <a:r>
-              <a:rPr lang="ja-JP" altLang="en-US" sz="4000" b="1" dirty="0" smtClean="0"/>
+              <a:rPr lang="ja-JP" altLang="en-US" sz="4000" b="1" dirty="0" smtClean="0">
+                <a:latin typeface="ＭＳ Ｐゴシック 本文"/>
+              </a:rPr>
               <a:t>ソース管理</a:t>
             </a:r>
-            <a:endParaRPr kumimoji="1" lang="ja-JP" altLang="en-US" sz="4000" b="1" dirty="0"/>
+            <a:endParaRPr kumimoji="1" lang="ja-JP" altLang="en-US" sz="4000" b="1" dirty="0">
+              <a:latin typeface="ＭＳ Ｐゴシック 本文"/>
+            </a:endParaRPr>
           </a:p>
         </p:txBody>
       </p:sp>
@@ -4602,10 +4668,14 @@
           <a:lstStyle/>
           <a:p>
             <a:r>
-              <a:rPr lang="ja-JP" altLang="en-US" sz="4000" b="1" dirty="0" smtClean="0"/>
+              <a:rPr lang="ja-JP" altLang="en-US" sz="4000" b="1" dirty="0" smtClean="0">
+                <a:latin typeface="ＭＳ Ｐゴシック 本文"/>
+              </a:rPr>
               <a:t>開発環境</a:t>
             </a:r>
-            <a:endParaRPr kumimoji="1" lang="ja-JP" altLang="en-US" sz="4000" b="1" dirty="0"/>
+            <a:endParaRPr kumimoji="1" lang="ja-JP" altLang="en-US" sz="4000" b="1" dirty="0">
+              <a:latin typeface="ＭＳ Ｐゴシック 本文"/>
+            </a:endParaRPr>
           </a:p>
         </p:txBody>
       </p:sp>
@@ -4691,8 +4761,8 @@
         </p:blipFill>
         <p:spPr>
           <a:xfrm>
-            <a:off x="8912020" y="4961706"/>
-            <a:ext cx="898449" cy="898449"/>
+            <a:off x="10087851" y="5706071"/>
+            <a:ext cx="662286" cy="662286"/>
           </a:xfrm>
           <a:prstGeom prst="rect">
             <a:avLst/>
@@ -4818,46 +4888,9 @@
           <a:lstStyle/>
           <a:p>
             <a:pPr algn="ctr"/>
-            <a:endParaRPr kumimoji="1" lang="ja-JP" altLang="en-US"/>
-          </a:p>
-        </p:txBody>
-      </p:sp>
-      <p:sp>
-        <p:nvSpPr>
-          <p:cNvPr id="40" name="AutoShape 2" descr="「javascript」の画像検索結果"/>
-          <p:cNvSpPr>
-            <a:spLocks noChangeAspect="1" noChangeArrowheads="1"/>
-          </p:cNvSpPr>
-          <p:nvPr/>
-        </p:nvSpPr>
-        <p:spPr bwMode="auto">
-          <a:xfrm>
-            <a:off x="-31750" y="-136525"/>
-            <a:ext cx="304800" cy="304800"/>
-          </a:xfrm>
-          <a:prstGeom prst="rect">
-            <a:avLst/>
-          </a:prstGeom>
-          <a:noFill/>
-          <a:extLst>
-            <a:ext uri="{909E8E84-426E-40DD-AFC4-6F175D3DCCD1}">
-              <a14:hiddenFill xmlns:a14="http://schemas.microsoft.com/office/drawing/2010/main">
-                <a:solidFill>
-                  <a:srgbClr val="FFFFFF"/>
-                </a:solidFill>
-              </a14:hiddenFill>
-            </a:ext>
-          </a:extLst>
-        </p:spPr>
-        <p:txBody>
-          <a:bodyPr vert="horz" wrap="square" lIns="91440" tIns="45720" rIns="91440" bIns="45720" numCol="1" anchor="t" anchorCtr="0" compatLnSpc="1">
-            <a:prstTxWarp prst="textNoShape">
-              <a:avLst/>
-            </a:prstTxWarp>
-          </a:bodyPr>
-          <a:lstStyle/>
-          <a:p>
-            <a:endParaRPr lang="ja-JP" altLang="en-US"/>
+            <a:endParaRPr kumimoji="1" lang="ja-JP" altLang="en-US">
+              <a:latin typeface="ＭＳ Ｐゴシック 本文"/>
+            </a:endParaRPr>
           </a:p>
         </p:txBody>
       </p:sp>
@@ -4905,7 +4938,9 @@
           <a:lstStyle/>
           <a:p>
             <a:pPr algn="ctr"/>
-            <a:endParaRPr kumimoji="1" lang="ja-JP" altLang="en-US"/>
+            <a:endParaRPr kumimoji="1" lang="ja-JP" altLang="en-US">
+              <a:latin typeface="ＭＳ Ｐゴシック 本文"/>
+            </a:endParaRPr>
           </a:p>
         </p:txBody>
       </p:sp>
@@ -4932,10 +4967,14 @@
           <a:lstStyle/>
           <a:p>
             <a:r>
-              <a:rPr lang="ja-JP" altLang="en-US" b="1" dirty="0" smtClean="0"/>
+              <a:rPr lang="ja-JP" altLang="en-US" b="1" dirty="0" smtClean="0">
+                <a:latin typeface="ＭＳ Ｐゴシック 本文"/>
+              </a:rPr>
               <a:t>クライアント側</a:t>
             </a:r>
-            <a:endParaRPr kumimoji="1" lang="ja-JP" altLang="en-US" b="1" dirty="0"/>
+            <a:endParaRPr kumimoji="1" lang="ja-JP" altLang="en-US" b="1" dirty="0">
+              <a:latin typeface="ＭＳ Ｐゴシック 本文"/>
+            </a:endParaRPr>
           </a:p>
         </p:txBody>
       </p:sp>
@@ -4962,10 +5001,14 @@
           <a:lstStyle/>
           <a:p>
             <a:r>
-              <a:rPr lang="ja-JP" altLang="en-US" b="1" dirty="0" smtClean="0"/>
+              <a:rPr lang="ja-JP" altLang="en-US" b="1" dirty="0" smtClean="0">
+                <a:latin typeface="ＭＳ Ｐゴシック 本文"/>
+              </a:rPr>
               <a:t>サーバ側</a:t>
             </a:r>
-            <a:endParaRPr kumimoji="1" lang="ja-JP" altLang="en-US" b="1" dirty="0"/>
+            <a:endParaRPr kumimoji="1" lang="ja-JP" altLang="en-US" b="1" dirty="0">
+              <a:latin typeface="ＭＳ Ｐゴシック 本文"/>
+            </a:endParaRPr>
           </a:p>
         </p:txBody>
       </p:sp>
@@ -5021,7 +5064,7 @@
         </p:blipFill>
         <p:spPr>
           <a:xfrm>
-            <a:off x="6269274" y="4756310"/>
+            <a:off x="7977045" y="4756310"/>
             <a:ext cx="1375569" cy="1612047"/>
           </a:xfrm>
           <a:prstGeom prst="rect">
@@ -5097,8 +5140,8 @@
         </p:nvSpPr>
         <p:spPr>
           <a:xfrm>
-            <a:off x="7840553" y="5377668"/>
-            <a:ext cx="654311" cy="369332"/>
+            <a:off x="9493623" y="5350900"/>
+            <a:ext cx="1653989" cy="369332"/>
           </a:xfrm>
           <a:prstGeom prst="rect">
             <a:avLst/>
@@ -5113,10 +5156,14 @@
           <a:p>
             <a:pPr algn="ctr"/>
             <a:r>
-              <a:rPr lang="en-US" altLang="ja-JP" b="1" dirty="0" smtClean="0"/>
-              <a:t>OR</a:t>
-            </a:r>
-            <a:endParaRPr kumimoji="1" lang="ja-JP" altLang="en-US" b="1" dirty="0"/>
+              <a:rPr kumimoji="1" lang="ja-JP" altLang="en-US" b="1" dirty="0" smtClean="0">
+                <a:latin typeface="ＭＳ Ｐゴシック 本文"/>
+              </a:rPr>
+              <a:t>使わない</a:t>
+            </a:r>
+            <a:endParaRPr kumimoji="1" lang="ja-JP" altLang="en-US" b="1" dirty="0">
+              <a:latin typeface="ＭＳ Ｐゴシック 本文"/>
+            </a:endParaRPr>
           </a:p>
         </p:txBody>
       </p:sp>
@@ -5143,10 +5190,14 @@
           <a:lstStyle/>
           <a:p>
             <a:r>
-              <a:rPr lang="ja-JP" altLang="en-US" sz="2400" b="1" dirty="0" smtClean="0"/>
+              <a:rPr lang="ja-JP" altLang="en-US" sz="2400" b="1" dirty="0" smtClean="0">
+                <a:latin typeface="ＭＳ Ｐゴシック 本文"/>
+              </a:rPr>
               <a:t>レスポンシブデザイン</a:t>
             </a:r>
-            <a:endParaRPr kumimoji="1" lang="ja-JP" altLang="en-US" sz="2400" b="1" dirty="0"/>
+            <a:endParaRPr kumimoji="1" lang="ja-JP" altLang="en-US" sz="2400" b="1" dirty="0">
+              <a:latin typeface="ＭＳ Ｐゴシック 本文"/>
+            </a:endParaRPr>
           </a:p>
         </p:txBody>
       </p:sp>
@@ -5154,6 +5205,1045 @@
     <p:extLst>
       <p:ext uri="{BB962C8B-B14F-4D97-AF65-F5344CB8AC3E}">
         <p14:creationId xmlns:p14="http://schemas.microsoft.com/office/powerpoint/2010/main" val="3111605542"/>
+      </p:ext>
+    </p:extLst>
+  </p:cSld>
+  <p:clrMapOvr>
+    <a:masterClrMapping/>
+  </p:clrMapOvr>
+</p:sld>
+</file>
+
+<file path=ppt/slides/slide4.xml><?xml version="1.0" encoding="utf-8"?>
+<p:sld xmlns:a="http://schemas.openxmlformats.org/drawingml/2006/main" xmlns:r="http://schemas.openxmlformats.org/officeDocument/2006/relationships" xmlns:p="http://schemas.openxmlformats.org/presentationml/2006/main">
+  <p:cSld>
+    <p:spTree>
+      <p:nvGrpSpPr>
+        <p:cNvPr id="1" name=""/>
+        <p:cNvGrpSpPr/>
+        <p:nvPr/>
+      </p:nvGrpSpPr>
+      <p:grpSpPr>
+        <a:xfrm>
+          <a:off x="0" y="0"/>
+          <a:ext cx="0" cy="0"/>
+          <a:chOff x="0" y="0"/>
+          <a:chExt cx="0" cy="0"/>
+        </a:xfrm>
+      </p:grpSpPr>
+      <p:sp>
+        <p:nvSpPr>
+          <p:cNvPr id="23" name="テキスト ボックス 22"/>
+          <p:cNvSpPr txBox="1"/>
+          <p:nvPr/>
+        </p:nvSpPr>
+        <p:spPr>
+          <a:xfrm>
+            <a:off x="247718" y="151507"/>
+            <a:ext cx="11814293" cy="6247864"/>
+          </a:xfrm>
+          <a:prstGeom prst="rect">
+            <a:avLst/>
+          </a:prstGeom>
+          <a:noFill/>
+        </p:spPr>
+        <p:txBody>
+          <a:bodyPr wrap="square" rtlCol="0">
+            <a:spAutoFit/>
+          </a:bodyPr>
+          <a:lstStyle/>
+          <a:p>
+            <a:r>
+              <a:rPr lang="en-US" altLang="ja-JP" sz="4000" b="1" dirty="0" smtClean="0">
+                <a:latin typeface="+mn-ea"/>
+              </a:rPr>
+              <a:t>node.js</a:t>
+            </a:r>
+            <a:r>
+              <a:rPr lang="ja-JP" altLang="en-US" sz="4000" b="1" dirty="0" smtClean="0">
+                <a:latin typeface="+mn-ea"/>
+              </a:rPr>
+              <a:t>のインストール</a:t>
+            </a:r>
+            <a:endParaRPr lang="en-US" altLang="ja-JP" sz="4000" b="1" dirty="0" smtClean="0">
+              <a:latin typeface="+mn-ea"/>
+            </a:endParaRPr>
+          </a:p>
+          <a:p>
+            <a:r>
+              <a:rPr lang="ja-JP" altLang="en-US" sz="4000" b="1" dirty="0" smtClean="0">
+                <a:latin typeface="+mn-ea"/>
+              </a:rPr>
+              <a:t>◎</a:t>
+            </a:r>
+            <a:r>
+              <a:rPr lang="en-US" altLang="ja-JP" sz="4000" b="1" dirty="0" smtClean="0">
+                <a:latin typeface="+mn-ea"/>
+              </a:rPr>
+              <a:t>node.js</a:t>
+            </a:r>
+            <a:r>
+              <a:rPr lang="ja-JP" altLang="en-US" sz="4000" b="1" dirty="0" smtClean="0">
+                <a:latin typeface="+mn-ea"/>
+              </a:rPr>
+              <a:t>のバージョン管理をインストール</a:t>
+            </a:r>
+            <a:endParaRPr lang="en-US" altLang="ja-JP" sz="4000" b="1" dirty="0" smtClean="0">
+              <a:latin typeface="+mn-ea"/>
+            </a:endParaRPr>
+          </a:p>
+          <a:p>
+            <a:pPr marL="1028700" lvl="1" indent="-571500">
+              <a:buFont typeface="Wingdings" panose="05000000000000000000" pitchFamily="2" charset="2"/>
+              <a:buChar char="Ø"/>
+            </a:pPr>
+            <a:r>
+              <a:rPr lang="en-US" altLang="ja-JP" sz="4000" dirty="0" err="1">
+                <a:latin typeface="+mn-ea"/>
+              </a:rPr>
+              <a:t>n</a:t>
+            </a:r>
+            <a:r>
+              <a:rPr kumimoji="1" lang="en-US" altLang="ja-JP" sz="4000" dirty="0" err="1" smtClean="0">
+                <a:latin typeface="+mn-ea"/>
+              </a:rPr>
+              <a:t>odist</a:t>
+            </a:r>
+            <a:r>
+              <a:rPr kumimoji="1" lang="ja-JP" altLang="en-US" sz="4000" dirty="0" smtClean="0">
+                <a:latin typeface="+mn-ea"/>
+              </a:rPr>
+              <a:t>のインストーラを</a:t>
+            </a:r>
+            <a:r>
+              <a:rPr lang="en-US" altLang="ja-JP" sz="4000" dirty="0" smtClean="0">
+                <a:latin typeface="+mn-ea"/>
+              </a:rPr>
+              <a:t>HP(</a:t>
+            </a:r>
+            <a:r>
+              <a:rPr lang="en-US" altLang="ja-JP" sz="2000" dirty="0" smtClean="0">
+                <a:latin typeface="+mn-ea"/>
+              </a:rPr>
+              <a:t>https</a:t>
+            </a:r>
+            <a:r>
+              <a:rPr lang="en-US" altLang="ja-JP" sz="2000" dirty="0">
+                <a:latin typeface="+mn-ea"/>
+              </a:rPr>
+              <a:t>://</a:t>
+            </a:r>
+            <a:r>
+              <a:rPr lang="en-US" altLang="ja-JP" sz="2000" dirty="0" smtClean="0">
+                <a:latin typeface="+mn-ea"/>
+              </a:rPr>
+              <a:t>github.com/marcelklehr/nodist</a:t>
+            </a:r>
+            <a:r>
+              <a:rPr lang="en-US" altLang="ja-JP" sz="4000" dirty="0" smtClean="0">
+                <a:latin typeface="+mn-ea"/>
+              </a:rPr>
+              <a:t>)</a:t>
+            </a:r>
+            <a:r>
+              <a:rPr kumimoji="1" lang="ja-JP" altLang="en-US" sz="4000" dirty="0" smtClean="0">
+                <a:latin typeface="+mn-ea"/>
+              </a:rPr>
+              <a:t>からダウンロード</a:t>
+            </a:r>
+            <a:endParaRPr kumimoji="1" lang="en-US" altLang="ja-JP" sz="4000" dirty="0" smtClean="0">
+              <a:latin typeface="+mn-ea"/>
+            </a:endParaRPr>
+          </a:p>
+          <a:p>
+            <a:pPr marL="1028700" lvl="1" indent="-571500">
+              <a:buFont typeface="Wingdings" panose="05000000000000000000" pitchFamily="2" charset="2"/>
+              <a:buChar char="Ø"/>
+            </a:pPr>
+            <a:endParaRPr kumimoji="1" lang="en-US" altLang="ja-JP" sz="4000" dirty="0" smtClean="0">
+              <a:latin typeface="+mn-ea"/>
+            </a:endParaRPr>
+          </a:p>
+          <a:p>
+            <a:pPr marL="1028700" lvl="1" indent="-571500">
+              <a:buFont typeface="Wingdings" panose="05000000000000000000" pitchFamily="2" charset="2"/>
+              <a:buChar char="Ø"/>
+            </a:pPr>
+            <a:r>
+              <a:rPr lang="en-US" altLang="ja-JP" sz="4000" dirty="0" err="1">
+                <a:latin typeface="+mn-ea"/>
+              </a:rPr>
+              <a:t>n</a:t>
+            </a:r>
+            <a:r>
+              <a:rPr lang="en-US" altLang="ja-JP" sz="4000" dirty="0" err="1" smtClean="0">
+                <a:latin typeface="+mn-ea"/>
+              </a:rPr>
+              <a:t>odist</a:t>
+            </a:r>
+            <a:r>
+              <a:rPr lang="ja-JP" altLang="en-US" sz="4000" dirty="0" smtClean="0">
+                <a:latin typeface="+mn-ea"/>
+              </a:rPr>
+              <a:t>と依存関係のアップデート</a:t>
+            </a:r>
+            <a:endParaRPr lang="en-US" altLang="ja-JP" sz="4000" dirty="0" smtClean="0">
+              <a:latin typeface="+mn-ea"/>
+            </a:endParaRPr>
+          </a:p>
+          <a:p>
+            <a:pPr marL="1485900" lvl="2" indent="-571500">
+              <a:buFont typeface="Wingdings" panose="05000000000000000000" pitchFamily="2" charset="2"/>
+              <a:buChar char="Ø"/>
+            </a:pPr>
+            <a:r>
+              <a:rPr lang="en-US" altLang="ja-JP" sz="3600" dirty="0" err="1">
+                <a:latin typeface="+mn-ea"/>
+              </a:rPr>
+              <a:t>nodist</a:t>
+            </a:r>
+            <a:r>
+              <a:rPr lang="en-US" altLang="ja-JP" sz="3600" dirty="0">
+                <a:latin typeface="+mn-ea"/>
+              </a:rPr>
+              <a:t> </a:t>
+            </a:r>
+            <a:r>
+              <a:rPr lang="en-US" altLang="ja-JP" sz="3600" dirty="0" err="1" smtClean="0">
+                <a:latin typeface="+mn-ea"/>
+              </a:rPr>
+              <a:t>selfupdate</a:t>
+            </a:r>
+            <a:endParaRPr lang="en-US" altLang="ja-JP" sz="3600" dirty="0" smtClean="0">
+              <a:latin typeface="+mn-ea"/>
+            </a:endParaRPr>
+          </a:p>
+          <a:p>
+            <a:pPr marL="1028700" lvl="1" indent="-571500">
+              <a:buFont typeface="Wingdings" panose="05000000000000000000" pitchFamily="2" charset="2"/>
+              <a:buChar char="Ø"/>
+            </a:pPr>
+            <a:endParaRPr lang="en-US" altLang="ja-JP" sz="4000" dirty="0" smtClean="0">
+              <a:latin typeface="+mn-ea"/>
+            </a:endParaRPr>
+          </a:p>
+          <a:p>
+            <a:pPr marL="1028700" lvl="1" indent="-571500">
+              <a:buFont typeface="Wingdings" panose="05000000000000000000" pitchFamily="2" charset="2"/>
+              <a:buChar char="Ø"/>
+            </a:pPr>
+            <a:r>
+              <a:rPr lang="en-US" altLang="ja-JP" sz="4000" dirty="0">
+                <a:latin typeface="+mn-ea"/>
+              </a:rPr>
+              <a:t>n</a:t>
+            </a:r>
+            <a:r>
+              <a:rPr lang="en-US" altLang="ja-JP" sz="4000" dirty="0" smtClean="0">
+                <a:latin typeface="+mn-ea"/>
+              </a:rPr>
+              <a:t>ode.js</a:t>
+            </a:r>
+            <a:r>
+              <a:rPr lang="ja-JP" altLang="en-US" sz="4000" dirty="0" smtClean="0">
+                <a:latin typeface="+mn-ea"/>
+              </a:rPr>
+              <a:t>の安定版をインストール</a:t>
+            </a:r>
+            <a:endParaRPr lang="en-US" altLang="ja-JP" sz="4000" dirty="0" smtClean="0">
+              <a:latin typeface="+mn-ea"/>
+            </a:endParaRPr>
+          </a:p>
+          <a:p>
+            <a:pPr marL="1485900" lvl="2" indent="-571500">
+              <a:buFont typeface="Wingdings" panose="05000000000000000000" pitchFamily="2" charset="2"/>
+              <a:buChar char="Ø"/>
+            </a:pPr>
+            <a:r>
+              <a:rPr lang="en-US" altLang="ja-JP" sz="3600" dirty="0" err="1">
+                <a:latin typeface="+mn-ea"/>
+              </a:rPr>
+              <a:t>n</a:t>
+            </a:r>
+            <a:r>
+              <a:rPr lang="en-US" altLang="ja-JP" sz="3600" dirty="0" err="1" smtClean="0">
+                <a:latin typeface="+mn-ea"/>
+              </a:rPr>
+              <a:t>odist</a:t>
+            </a:r>
+            <a:r>
+              <a:rPr lang="en-US" altLang="ja-JP" sz="3600" dirty="0" smtClean="0">
+                <a:latin typeface="+mn-ea"/>
+              </a:rPr>
+              <a:t> stable</a:t>
+            </a:r>
+          </a:p>
+        </p:txBody>
+      </p:sp>
+    </p:spTree>
+    <p:extLst>
+      <p:ext uri="{BB962C8B-B14F-4D97-AF65-F5344CB8AC3E}">
+        <p14:creationId xmlns:p14="http://schemas.microsoft.com/office/powerpoint/2010/main" val="3783269213"/>
+      </p:ext>
+    </p:extLst>
+  </p:cSld>
+  <p:clrMapOvr>
+    <a:masterClrMapping/>
+  </p:clrMapOvr>
+</p:sld>
+</file>
+
+<file path=ppt/slides/slide5.xml><?xml version="1.0" encoding="utf-8"?>
+<p:sld xmlns:a="http://schemas.openxmlformats.org/drawingml/2006/main" xmlns:r="http://schemas.openxmlformats.org/officeDocument/2006/relationships" xmlns:p="http://schemas.openxmlformats.org/presentationml/2006/main">
+  <p:cSld>
+    <p:spTree>
+      <p:nvGrpSpPr>
+        <p:cNvPr id="1" name=""/>
+        <p:cNvGrpSpPr/>
+        <p:nvPr/>
+      </p:nvGrpSpPr>
+      <p:grpSpPr>
+        <a:xfrm>
+          <a:off x="0" y="0"/>
+          <a:ext cx="0" cy="0"/>
+          <a:chOff x="0" y="0"/>
+          <a:chExt cx="0" cy="0"/>
+        </a:xfrm>
+      </p:grpSpPr>
+      <p:sp>
+        <p:nvSpPr>
+          <p:cNvPr id="23" name="テキスト ボックス 22"/>
+          <p:cNvSpPr txBox="1"/>
+          <p:nvPr/>
+        </p:nvSpPr>
+        <p:spPr>
+          <a:xfrm>
+            <a:off x="247718" y="151507"/>
+            <a:ext cx="11814293" cy="6124754"/>
+          </a:xfrm>
+          <a:prstGeom prst="rect">
+            <a:avLst/>
+          </a:prstGeom>
+          <a:noFill/>
+        </p:spPr>
+        <p:txBody>
+          <a:bodyPr wrap="square" rtlCol="0">
+            <a:spAutoFit/>
+          </a:bodyPr>
+          <a:lstStyle/>
+          <a:p>
+            <a:r>
+              <a:rPr lang="en-US" altLang="ja-JP" sz="4000" b="1" dirty="0" err="1" smtClean="0">
+                <a:latin typeface="+mn-ea"/>
+              </a:rPr>
+              <a:t>Mongodb</a:t>
+            </a:r>
+            <a:r>
+              <a:rPr lang="ja-JP" altLang="en-US" sz="4000" b="1" dirty="0">
+                <a:latin typeface="+mn-ea"/>
+              </a:rPr>
+              <a:t>のインストール</a:t>
+            </a:r>
+            <a:endParaRPr lang="en-US" altLang="ja-JP" sz="4000" b="1" dirty="0" smtClean="0">
+              <a:latin typeface="+mn-ea"/>
+            </a:endParaRPr>
+          </a:p>
+          <a:p>
+            <a:r>
+              <a:rPr lang="ja-JP" altLang="en-US" sz="4000" b="1" dirty="0" smtClean="0">
+                <a:latin typeface="+mn-ea"/>
+              </a:rPr>
+              <a:t>◎インストール</a:t>
+            </a:r>
+            <a:endParaRPr lang="en-US" altLang="ja-JP" sz="4000" b="1" dirty="0" smtClean="0">
+              <a:latin typeface="+mn-ea"/>
+            </a:endParaRPr>
+          </a:p>
+          <a:p>
+            <a:pPr marL="1028700" lvl="1" indent="-571500">
+              <a:buFont typeface="Wingdings" panose="05000000000000000000" pitchFamily="2" charset="2"/>
+              <a:buChar char="Ø"/>
+            </a:pPr>
+            <a:r>
+              <a:rPr kumimoji="1" lang="en-US" altLang="ja-JP" sz="4000" dirty="0" err="1" smtClean="0">
+                <a:latin typeface="+mn-ea"/>
+              </a:rPr>
+              <a:t>mongodb</a:t>
+            </a:r>
+            <a:r>
+              <a:rPr kumimoji="1" lang="ja-JP" altLang="en-US" sz="4000" dirty="0" smtClean="0">
+                <a:latin typeface="+mn-ea"/>
+              </a:rPr>
+              <a:t>を</a:t>
+            </a:r>
+            <a:r>
+              <a:rPr lang="en-US" altLang="ja-JP" sz="4000" dirty="0">
+                <a:latin typeface="+mn-ea"/>
+              </a:rPr>
+              <a:t>HP(</a:t>
+            </a:r>
+            <a:r>
+              <a:rPr lang="en-US" altLang="ja-JP" sz="2000" dirty="0">
+                <a:latin typeface="+mn-ea"/>
+              </a:rPr>
+              <a:t>https://www.mongodb.org/</a:t>
+            </a:r>
+            <a:r>
+              <a:rPr lang="en-US" altLang="ja-JP" sz="4000" dirty="0">
+                <a:latin typeface="+mn-ea"/>
+              </a:rPr>
+              <a:t>)</a:t>
+            </a:r>
+            <a:r>
+              <a:rPr kumimoji="1" lang="ja-JP" altLang="en-US" sz="4000" dirty="0" smtClean="0">
+                <a:latin typeface="+mn-ea"/>
+              </a:rPr>
+              <a:t>からダウンロード</a:t>
+            </a:r>
+            <a:endParaRPr kumimoji="1" lang="en-US" altLang="ja-JP" sz="4000" dirty="0" smtClean="0">
+              <a:latin typeface="+mn-ea"/>
+            </a:endParaRPr>
+          </a:p>
+          <a:p>
+            <a:pPr marL="1028700" lvl="1" indent="-571500">
+              <a:buFont typeface="Wingdings" panose="05000000000000000000" pitchFamily="2" charset="2"/>
+              <a:buChar char="Ø"/>
+            </a:pPr>
+            <a:r>
+              <a:rPr lang="en-US" altLang="ja-JP" sz="4000" dirty="0" smtClean="0">
+                <a:latin typeface="+mn-ea"/>
+              </a:rPr>
+              <a:t>PATH</a:t>
+            </a:r>
+            <a:r>
+              <a:rPr lang="ja-JP" altLang="en-US" sz="4000" dirty="0" smtClean="0">
+                <a:latin typeface="+mn-ea"/>
+              </a:rPr>
+              <a:t>に</a:t>
+            </a:r>
+            <a:r>
+              <a:rPr lang="en-US" altLang="ja-JP" sz="4000" dirty="0">
+                <a:latin typeface="+mn-ea"/>
+              </a:rPr>
+              <a:t>{</a:t>
+            </a:r>
+            <a:r>
+              <a:rPr lang="en-US" altLang="ja-JP" sz="4000" dirty="0" err="1" smtClean="0">
+                <a:latin typeface="+mn-ea"/>
+              </a:rPr>
+              <a:t>mongodb</a:t>
+            </a:r>
+            <a:r>
+              <a:rPr lang="ja-JP" altLang="en-US" sz="4000" dirty="0" smtClean="0">
+                <a:latin typeface="+mn-ea"/>
+              </a:rPr>
+              <a:t>インストール先</a:t>
+            </a:r>
+            <a:r>
+              <a:rPr lang="en-US" altLang="ja-JP" sz="4000" dirty="0">
+                <a:latin typeface="+mn-ea"/>
+              </a:rPr>
+              <a:t>}</a:t>
+            </a:r>
+            <a:r>
+              <a:rPr lang="en-US" altLang="ja-JP" sz="4000" dirty="0" smtClean="0">
+                <a:latin typeface="+mn-ea"/>
+              </a:rPr>
+              <a:t>/bin</a:t>
+            </a:r>
+            <a:r>
+              <a:rPr lang="ja-JP" altLang="en-US" sz="4000" dirty="0" smtClean="0">
+                <a:latin typeface="+mn-ea"/>
+              </a:rPr>
+              <a:t>を追加</a:t>
+            </a:r>
+            <a:endParaRPr lang="en-US" altLang="ja-JP" sz="4000" dirty="0" smtClean="0">
+              <a:latin typeface="+mn-ea"/>
+            </a:endParaRPr>
+          </a:p>
+          <a:p>
+            <a:endParaRPr kumimoji="1" lang="en-US" altLang="ja-JP" sz="4000" b="1" dirty="0">
+              <a:latin typeface="+mn-ea"/>
+            </a:endParaRPr>
+          </a:p>
+          <a:p>
+            <a:r>
+              <a:rPr lang="ja-JP" altLang="en-US" sz="4000" b="1" dirty="0">
+                <a:latin typeface="+mn-ea"/>
+              </a:rPr>
+              <a:t>◎</a:t>
+            </a:r>
+            <a:r>
+              <a:rPr lang="ja-JP" altLang="en-US" sz="4000" b="1" dirty="0" smtClean="0">
+                <a:latin typeface="+mn-ea"/>
+              </a:rPr>
+              <a:t>起動</a:t>
+            </a:r>
+            <a:endParaRPr lang="en-US" altLang="ja-JP" sz="4000" b="1" dirty="0" smtClean="0">
+              <a:latin typeface="+mn-ea"/>
+            </a:endParaRPr>
+          </a:p>
+          <a:p>
+            <a:pPr marL="1028700" lvl="1" indent="-571500">
+              <a:buFont typeface="Wingdings" panose="05000000000000000000" pitchFamily="2" charset="2"/>
+              <a:buChar char="Ø"/>
+            </a:pPr>
+            <a:r>
+              <a:rPr lang="en-US" altLang="ja-JP" sz="4000" dirty="0" err="1">
+                <a:latin typeface="+mn-ea"/>
+              </a:rPr>
+              <a:t>mongod</a:t>
+            </a:r>
+            <a:r>
+              <a:rPr lang="en-US" altLang="ja-JP" sz="4000" dirty="0">
+                <a:latin typeface="+mn-ea"/>
+              </a:rPr>
+              <a:t> --</a:t>
+            </a:r>
+            <a:r>
+              <a:rPr lang="en-US" altLang="ja-JP" sz="4000" dirty="0" err="1">
+                <a:latin typeface="+mn-ea"/>
+              </a:rPr>
+              <a:t>dbpath</a:t>
+            </a:r>
+            <a:r>
+              <a:rPr lang="en-US" altLang="ja-JP" sz="4000" dirty="0">
+                <a:latin typeface="+mn-ea"/>
+              </a:rPr>
+              <a:t> </a:t>
+            </a:r>
+            <a:r>
+              <a:rPr lang="en-US" altLang="ja-JP" sz="4000" dirty="0" smtClean="0">
+                <a:latin typeface="+mn-ea"/>
+              </a:rPr>
+              <a:t>data</a:t>
+            </a:r>
+            <a:r>
+              <a:rPr lang="ja-JP" altLang="en-US" sz="4000" dirty="0" smtClean="0">
+                <a:latin typeface="+mn-ea"/>
+              </a:rPr>
+              <a:t>のパス</a:t>
+            </a:r>
+            <a:r>
+              <a:rPr lang="en-US" altLang="ja-JP" sz="4000" dirty="0" smtClean="0">
+                <a:latin typeface="+mn-ea"/>
+              </a:rPr>
+              <a:t> </a:t>
+            </a:r>
+            <a:r>
+              <a:rPr lang="en-US" altLang="ja-JP" sz="4000" dirty="0">
+                <a:latin typeface="+mn-ea"/>
+              </a:rPr>
+              <a:t>--</a:t>
+            </a:r>
+            <a:r>
+              <a:rPr lang="en-US" altLang="ja-JP" sz="4000" dirty="0" err="1">
+                <a:latin typeface="+mn-ea"/>
+              </a:rPr>
+              <a:t>logpath</a:t>
+            </a:r>
+            <a:r>
+              <a:rPr lang="en-US" altLang="ja-JP" sz="4000" dirty="0">
+                <a:latin typeface="+mn-ea"/>
+              </a:rPr>
+              <a:t> </a:t>
+            </a:r>
+            <a:r>
+              <a:rPr lang="ja-JP" altLang="en-US" sz="4000" dirty="0" smtClean="0">
+                <a:latin typeface="+mn-ea"/>
+              </a:rPr>
+              <a:t>ログのパス</a:t>
+            </a:r>
+            <a:endParaRPr lang="en-US" altLang="ja-JP" sz="4000" dirty="0" smtClean="0">
+              <a:latin typeface="+mn-ea"/>
+            </a:endParaRPr>
+          </a:p>
+          <a:p>
+            <a:pPr marL="1485900" lvl="2" indent="-571500">
+              <a:buFont typeface="Wingdings" panose="05000000000000000000" pitchFamily="2" charset="2"/>
+              <a:buChar char="Ø"/>
+            </a:pPr>
+            <a:r>
+              <a:rPr lang="en-US" altLang="ja-JP" sz="3600" dirty="0" err="1" smtClean="0">
+                <a:latin typeface="+mn-ea"/>
+              </a:rPr>
+              <a:t>mongod</a:t>
+            </a:r>
+            <a:r>
+              <a:rPr lang="en-US" altLang="ja-JP" sz="3600" dirty="0" smtClean="0">
+                <a:latin typeface="+mn-ea"/>
+              </a:rPr>
+              <a:t> </a:t>
+            </a:r>
+            <a:r>
+              <a:rPr lang="en-US" altLang="ja-JP" sz="3600" dirty="0">
+                <a:latin typeface="+mn-ea"/>
+              </a:rPr>
+              <a:t>--</a:t>
+            </a:r>
+            <a:r>
+              <a:rPr lang="en-US" altLang="ja-JP" sz="3600" dirty="0" err="1">
+                <a:latin typeface="+mn-ea"/>
+              </a:rPr>
+              <a:t>dbpath</a:t>
+            </a:r>
+            <a:r>
+              <a:rPr lang="en-US" altLang="ja-JP" sz="3600" dirty="0">
+                <a:latin typeface="+mn-ea"/>
+              </a:rPr>
+              <a:t> C:\var\mongodb\data </a:t>
+            </a:r>
+            <a:r>
+              <a:rPr lang="en-US" altLang="ja-JP" sz="3600" dirty="0" smtClean="0">
+                <a:latin typeface="+mn-ea"/>
+              </a:rPr>
+              <a:t>–</a:t>
+            </a:r>
+            <a:r>
+              <a:rPr lang="en-US" altLang="ja-JP" sz="3600" dirty="0" err="1" smtClean="0">
+                <a:latin typeface="+mn-ea"/>
+              </a:rPr>
+              <a:t>logpath</a:t>
+            </a:r>
+            <a:r>
+              <a:rPr lang="ja-JP" altLang="en-US" sz="3600" dirty="0">
+                <a:latin typeface="+mn-ea"/>
+              </a:rPr>
+              <a:t>　</a:t>
+            </a:r>
+            <a:r>
+              <a:rPr lang="en-US" altLang="ja-JP" sz="3600" dirty="0" smtClean="0">
+                <a:latin typeface="+mn-ea"/>
+              </a:rPr>
+              <a:t>\</a:t>
+            </a:r>
+            <a:r>
+              <a:rPr lang="en-US" altLang="ja-JP" sz="3600" dirty="0" err="1" smtClean="0">
+                <a:latin typeface="+mn-ea"/>
+              </a:rPr>
+              <a:t>var</a:t>
+            </a:r>
+            <a:r>
+              <a:rPr lang="en-US" altLang="ja-JP" sz="3600" dirty="0" smtClean="0">
+                <a:latin typeface="+mn-ea"/>
+              </a:rPr>
+              <a:t>\</a:t>
+            </a:r>
+            <a:r>
+              <a:rPr lang="en-US" altLang="ja-JP" sz="3600" dirty="0" err="1" smtClean="0">
+                <a:latin typeface="+mn-ea"/>
+              </a:rPr>
+              <a:t>mongodb</a:t>
+            </a:r>
+            <a:r>
+              <a:rPr lang="en-US" altLang="ja-JP" sz="3600" dirty="0" smtClean="0">
+                <a:latin typeface="+mn-ea"/>
+              </a:rPr>
+              <a:t>\logs\mongodb.log</a:t>
+            </a:r>
+            <a:endParaRPr kumimoji="1" lang="ja-JP" altLang="en-US" sz="3600" dirty="0">
+              <a:latin typeface="+mn-ea"/>
+            </a:endParaRPr>
+          </a:p>
+        </p:txBody>
+      </p:sp>
+    </p:spTree>
+    <p:extLst>
+      <p:ext uri="{BB962C8B-B14F-4D97-AF65-F5344CB8AC3E}">
+        <p14:creationId xmlns:p14="http://schemas.microsoft.com/office/powerpoint/2010/main" val="80129790"/>
+      </p:ext>
+    </p:extLst>
+  </p:cSld>
+  <p:clrMapOvr>
+    <a:masterClrMapping/>
+  </p:clrMapOvr>
+</p:sld>
+</file>
+
+<file path=ppt/slides/slide6.xml><?xml version="1.0" encoding="utf-8"?>
+<p:sld xmlns:a="http://schemas.openxmlformats.org/drawingml/2006/main" xmlns:r="http://schemas.openxmlformats.org/officeDocument/2006/relationships" xmlns:p="http://schemas.openxmlformats.org/presentationml/2006/main">
+  <p:cSld>
+    <p:spTree>
+      <p:nvGrpSpPr>
+        <p:cNvPr id="1" name=""/>
+        <p:cNvGrpSpPr/>
+        <p:nvPr/>
+      </p:nvGrpSpPr>
+      <p:grpSpPr>
+        <a:xfrm>
+          <a:off x="0" y="0"/>
+          <a:ext cx="0" cy="0"/>
+          <a:chOff x="0" y="0"/>
+          <a:chExt cx="0" cy="0"/>
+        </a:xfrm>
+      </p:grpSpPr>
+      <p:sp>
+        <p:nvSpPr>
+          <p:cNvPr id="23" name="テキスト ボックス 22"/>
+          <p:cNvSpPr txBox="1"/>
+          <p:nvPr/>
+        </p:nvSpPr>
+        <p:spPr>
+          <a:xfrm>
+            <a:off x="247718" y="151507"/>
+            <a:ext cx="11814293" cy="6586418"/>
+          </a:xfrm>
+          <a:prstGeom prst="rect">
+            <a:avLst/>
+          </a:prstGeom>
+          <a:noFill/>
+        </p:spPr>
+        <p:txBody>
+          <a:bodyPr wrap="square" rtlCol="0">
+            <a:spAutoFit/>
+          </a:bodyPr>
+          <a:lstStyle/>
+          <a:p>
+            <a:r>
+              <a:rPr lang="en-US" altLang="ja-JP" sz="4000" b="1" dirty="0" err="1" smtClean="0">
+                <a:latin typeface="+mn-ea"/>
+              </a:rPr>
+              <a:t>Mongodb</a:t>
+            </a:r>
+            <a:r>
+              <a:rPr lang="ja-JP" altLang="en-US" sz="4000" b="1" dirty="0" smtClean="0">
+                <a:latin typeface="+mn-ea"/>
+              </a:rPr>
+              <a:t>の</a:t>
+            </a:r>
+            <a:r>
+              <a:rPr lang="en-US" altLang="ja-JP" sz="4000" b="1" dirty="0" smtClean="0">
+                <a:latin typeface="+mn-ea"/>
+              </a:rPr>
+              <a:t>GUI</a:t>
+            </a:r>
+            <a:r>
+              <a:rPr lang="ja-JP" altLang="en-US" sz="4000" b="1" dirty="0" smtClean="0">
+                <a:latin typeface="+mn-ea"/>
+              </a:rPr>
+              <a:t>ツールインストール</a:t>
+            </a:r>
+            <a:endParaRPr lang="en-US" altLang="ja-JP" sz="4000" b="1" dirty="0" smtClean="0">
+              <a:latin typeface="+mn-ea"/>
+            </a:endParaRPr>
+          </a:p>
+          <a:p>
+            <a:r>
+              <a:rPr lang="ja-JP" altLang="en-US" sz="4000" b="1" dirty="0" smtClean="0">
+                <a:latin typeface="+mn-ea"/>
+              </a:rPr>
+              <a:t>◎インストール</a:t>
+            </a:r>
+            <a:endParaRPr lang="en-US" altLang="ja-JP" sz="4000" b="1" dirty="0" smtClean="0">
+              <a:latin typeface="+mn-ea"/>
+            </a:endParaRPr>
+          </a:p>
+          <a:p>
+            <a:pPr marL="1028700" lvl="1" indent="-571500">
+              <a:buFont typeface="Wingdings" panose="05000000000000000000" pitchFamily="2" charset="2"/>
+              <a:buChar char="Ø"/>
+            </a:pPr>
+            <a:r>
+              <a:rPr kumimoji="1" lang="en-US" altLang="ja-JP" sz="4000" dirty="0" smtClean="0">
+                <a:latin typeface="+mn-ea"/>
+              </a:rPr>
+              <a:t>Node.js</a:t>
+            </a:r>
+            <a:r>
+              <a:rPr kumimoji="1" lang="ja-JP" altLang="en-US" sz="4000" dirty="0" smtClean="0">
+                <a:latin typeface="+mn-ea"/>
+              </a:rPr>
+              <a:t>を利用して</a:t>
+            </a:r>
+            <a:r>
+              <a:rPr lang="en-US" altLang="ja-JP" sz="4000" dirty="0" smtClean="0">
+                <a:latin typeface="+mn-ea"/>
+              </a:rPr>
+              <a:t>mongo-express</a:t>
+            </a:r>
+            <a:r>
+              <a:rPr kumimoji="1" lang="ja-JP" altLang="en-US" sz="4000" dirty="0" smtClean="0">
+                <a:latin typeface="+mn-ea"/>
+              </a:rPr>
+              <a:t>をインストール</a:t>
+            </a:r>
+            <a:endParaRPr lang="en-US" altLang="ja-JP" sz="4000" dirty="0">
+              <a:latin typeface="+mn-ea"/>
+            </a:endParaRPr>
+          </a:p>
+          <a:p>
+            <a:pPr marL="1485900" lvl="2" indent="-571500">
+              <a:buFont typeface="Wingdings" panose="05000000000000000000" pitchFamily="2" charset="2"/>
+              <a:buChar char="Ø"/>
+            </a:pPr>
+            <a:r>
+              <a:rPr lang="en-US" altLang="ja-JP" sz="3600" dirty="0" smtClean="0">
+                <a:latin typeface="+mn-ea"/>
+              </a:rPr>
+              <a:t>cd </a:t>
+            </a:r>
+            <a:r>
+              <a:rPr lang="en-US" altLang="ja-JP" sz="3600" dirty="0">
+                <a:latin typeface="+mn-ea"/>
+              </a:rPr>
+              <a:t>C:\</a:t>
+            </a:r>
+            <a:r>
+              <a:rPr lang="en-US" altLang="ja-JP" sz="3600" dirty="0" smtClean="0">
+                <a:latin typeface="+mn-ea"/>
+              </a:rPr>
+              <a:t>var\mongodb</a:t>
+            </a:r>
+          </a:p>
+          <a:p>
+            <a:pPr marL="1485900" lvl="2" indent="-571500">
+              <a:buFont typeface="Wingdings" panose="05000000000000000000" pitchFamily="2" charset="2"/>
+              <a:buChar char="Ø"/>
+            </a:pPr>
+            <a:r>
+              <a:rPr lang="en-US" altLang="ja-JP" sz="2600" dirty="0" err="1">
+                <a:latin typeface="+mn-ea"/>
+              </a:rPr>
+              <a:t>npm</a:t>
+            </a:r>
+            <a:r>
+              <a:rPr lang="en-US" altLang="ja-JP" sz="2600" dirty="0">
+                <a:latin typeface="+mn-ea"/>
+              </a:rPr>
+              <a:t> </a:t>
+            </a:r>
+            <a:r>
+              <a:rPr lang="en-US" altLang="ja-JP" sz="2600" dirty="0" smtClean="0">
+                <a:latin typeface="+mn-ea"/>
+              </a:rPr>
+              <a:t>install https://github.com/andzdroid/mongo-express/tarball/master</a:t>
+            </a:r>
+            <a:endParaRPr kumimoji="1" lang="en-US" altLang="ja-JP" sz="2600" b="1" dirty="0" smtClean="0">
+              <a:latin typeface="+mn-ea"/>
+            </a:endParaRPr>
+          </a:p>
+          <a:p>
+            <a:endParaRPr kumimoji="1" lang="en-US" altLang="ja-JP" sz="4000" b="1" dirty="0">
+              <a:latin typeface="+mn-ea"/>
+            </a:endParaRPr>
+          </a:p>
+          <a:p>
+            <a:r>
+              <a:rPr lang="ja-JP" altLang="en-US" sz="4000" b="1" dirty="0">
+                <a:latin typeface="+mn-ea"/>
+              </a:rPr>
+              <a:t>◎</a:t>
+            </a:r>
+            <a:r>
+              <a:rPr lang="ja-JP" altLang="en-US" sz="4000" b="1" dirty="0" smtClean="0">
+                <a:latin typeface="+mn-ea"/>
+              </a:rPr>
+              <a:t>起動</a:t>
+            </a:r>
+            <a:endParaRPr lang="en-US" altLang="ja-JP" sz="4000" b="1" dirty="0" smtClean="0">
+              <a:latin typeface="+mn-ea"/>
+            </a:endParaRPr>
+          </a:p>
+          <a:p>
+            <a:pPr marL="1028700" lvl="1" indent="-571500">
+              <a:buFont typeface="Wingdings" panose="05000000000000000000" pitchFamily="2" charset="2"/>
+              <a:buChar char="Ø"/>
+            </a:pPr>
+            <a:r>
+              <a:rPr lang="en-US" altLang="ja-JP" sz="3200" dirty="0">
+                <a:latin typeface="+mn-ea"/>
+              </a:rPr>
+              <a:t>C:\</a:t>
+            </a:r>
+            <a:r>
+              <a:rPr lang="en-US" altLang="ja-JP" sz="3200" dirty="0" smtClean="0">
+                <a:latin typeface="+mn-ea"/>
+              </a:rPr>
+              <a:t>var\mongodb\node_modules\mongo-express\config.default.js</a:t>
+            </a:r>
+            <a:r>
+              <a:rPr lang="ja-JP" altLang="en-US" sz="3200" dirty="0" smtClean="0">
+                <a:latin typeface="+mn-ea"/>
+              </a:rPr>
+              <a:t>を</a:t>
+            </a:r>
+            <a:r>
+              <a:rPr lang="en-US" altLang="ja-JP" sz="3200" dirty="0" smtClean="0">
+                <a:latin typeface="+mn-ea"/>
+              </a:rPr>
+              <a:t>config.js </a:t>
+            </a:r>
+            <a:r>
+              <a:rPr lang="ja-JP" altLang="en-US" sz="3200" dirty="0">
+                <a:latin typeface="+mn-ea"/>
+              </a:rPr>
+              <a:t>にリネームコピー</a:t>
+            </a:r>
+            <a:endParaRPr lang="en-US" altLang="ja-JP" sz="3200" dirty="0" smtClean="0">
+              <a:latin typeface="+mn-ea"/>
+            </a:endParaRPr>
+          </a:p>
+          <a:p>
+            <a:pPr marL="1028700" lvl="1" indent="-571500">
+              <a:buFont typeface="Wingdings" panose="05000000000000000000" pitchFamily="2" charset="2"/>
+              <a:buChar char="Ø"/>
+            </a:pPr>
+            <a:r>
+              <a:rPr lang="en-US" altLang="ja-JP" sz="3200" dirty="0">
+                <a:latin typeface="+mn-ea"/>
+              </a:rPr>
+              <a:t>cd C:\var\mongodb\node_modules\mongo-express</a:t>
+            </a:r>
+            <a:endParaRPr lang="en-US" altLang="ja-JP" sz="3200" dirty="0" smtClean="0">
+              <a:latin typeface="+mn-ea"/>
+            </a:endParaRPr>
+          </a:p>
+          <a:p>
+            <a:pPr marL="1028700" lvl="1" indent="-571500">
+              <a:buFont typeface="Wingdings" panose="05000000000000000000" pitchFamily="2" charset="2"/>
+              <a:buChar char="Ø"/>
+            </a:pPr>
+            <a:r>
+              <a:rPr lang="en-US" altLang="ja-JP" sz="3200" dirty="0">
+                <a:latin typeface="+mn-ea"/>
+              </a:rPr>
+              <a:t>node </a:t>
+            </a:r>
+            <a:r>
+              <a:rPr lang="en-US" altLang="ja-JP" sz="3200" dirty="0" smtClean="0">
+                <a:latin typeface="+mn-ea"/>
+              </a:rPr>
+              <a:t>app</a:t>
+            </a:r>
+          </a:p>
+          <a:p>
+            <a:pPr marL="1028700" lvl="1" indent="-571500">
+              <a:buFont typeface="Wingdings" panose="05000000000000000000" pitchFamily="2" charset="2"/>
+              <a:buChar char="Ø"/>
+            </a:pPr>
+            <a:r>
+              <a:rPr lang="en-US" altLang="ja-JP" sz="3200" dirty="0">
+                <a:latin typeface="+mn-ea"/>
+              </a:rPr>
+              <a:t>http://localhost:8081</a:t>
+            </a:r>
+            <a:endParaRPr kumimoji="1" lang="ja-JP" altLang="en-US" sz="3200" dirty="0">
+              <a:latin typeface="+mn-ea"/>
+            </a:endParaRPr>
+          </a:p>
+        </p:txBody>
+      </p:sp>
+    </p:spTree>
+    <p:extLst>
+      <p:ext uri="{BB962C8B-B14F-4D97-AF65-F5344CB8AC3E}">
+        <p14:creationId xmlns:p14="http://schemas.microsoft.com/office/powerpoint/2010/main" val="3158607720"/>
+      </p:ext>
+    </p:extLst>
+  </p:cSld>
+  <p:clrMapOvr>
+    <a:masterClrMapping/>
+  </p:clrMapOvr>
+</p:sld>
+</file>
+
+<file path=ppt/slides/slide7.xml><?xml version="1.0" encoding="utf-8"?>
+<p:sld xmlns:a="http://schemas.openxmlformats.org/drawingml/2006/main" xmlns:r="http://schemas.openxmlformats.org/officeDocument/2006/relationships" xmlns:p="http://schemas.openxmlformats.org/presentationml/2006/main">
+  <p:cSld>
+    <p:spTree>
+      <p:nvGrpSpPr>
+        <p:cNvPr id="1" name=""/>
+        <p:cNvGrpSpPr/>
+        <p:nvPr/>
+      </p:nvGrpSpPr>
+      <p:grpSpPr>
+        <a:xfrm>
+          <a:off x="0" y="0"/>
+          <a:ext cx="0" cy="0"/>
+          <a:chOff x="0" y="0"/>
+          <a:chExt cx="0" cy="0"/>
+        </a:xfrm>
+      </p:grpSpPr>
+      <p:pic>
+        <p:nvPicPr>
+          <p:cNvPr id="2" name="図 1"/>
+          <p:cNvPicPr>
+            <a:picLocks noChangeAspect="1"/>
+          </p:cNvPicPr>
+          <p:nvPr/>
+        </p:nvPicPr>
+        <p:blipFill>
+          <a:blip r:embed="rId2"/>
+          <a:stretch>
+            <a:fillRect/>
+          </a:stretch>
+        </p:blipFill>
+        <p:spPr>
+          <a:xfrm>
+            <a:off x="210951" y="330573"/>
+            <a:ext cx="6848475" cy="1866900"/>
+          </a:xfrm>
+          <a:prstGeom prst="rect">
+            <a:avLst/>
+          </a:prstGeom>
+        </p:spPr>
+      </p:pic>
+      <p:pic>
+        <p:nvPicPr>
+          <p:cNvPr id="3" name="図 2"/>
+          <p:cNvPicPr>
+            <a:picLocks noChangeAspect="1"/>
+          </p:cNvPicPr>
+          <p:nvPr/>
+        </p:nvPicPr>
+        <p:blipFill>
+          <a:blip r:embed="rId3"/>
+          <a:stretch>
+            <a:fillRect/>
+          </a:stretch>
+        </p:blipFill>
+        <p:spPr>
+          <a:xfrm>
+            <a:off x="210950" y="2591640"/>
+            <a:ext cx="6848475" cy="1190625"/>
+          </a:xfrm>
+          <a:prstGeom prst="rect">
+            <a:avLst/>
+          </a:prstGeom>
+        </p:spPr>
+      </p:pic>
+      <p:pic>
+        <p:nvPicPr>
+          <p:cNvPr id="4" name="図 3"/>
+          <p:cNvPicPr>
+            <a:picLocks noChangeAspect="1"/>
+          </p:cNvPicPr>
+          <p:nvPr/>
+        </p:nvPicPr>
+        <p:blipFill>
+          <a:blip r:embed="rId4"/>
+          <a:stretch>
+            <a:fillRect/>
+          </a:stretch>
+        </p:blipFill>
+        <p:spPr>
+          <a:xfrm>
+            <a:off x="1732709" y="1828799"/>
+            <a:ext cx="10191933" cy="4760259"/>
+          </a:xfrm>
+          <a:prstGeom prst="rect">
+            <a:avLst/>
+          </a:prstGeom>
+          <a:ln>
+            <a:solidFill>
+              <a:schemeClr val="tx1"/>
+            </a:solidFill>
+          </a:ln>
+        </p:spPr>
+      </p:pic>
+    </p:spTree>
+    <p:extLst>
+      <p:ext uri="{BB962C8B-B14F-4D97-AF65-F5344CB8AC3E}">
+        <p14:creationId xmlns:p14="http://schemas.microsoft.com/office/powerpoint/2010/main" val="3340027768"/>
       </p:ext>
     </p:extLst>
   </p:cSld>
